--- a/nn/01_intro.pptx
+++ b/nn/01_intro.pptx
@@ -282,7 +282,7 @@
   </p:defaultTextStyle>
   <p:extLst>
     <p:ext uri="{EFAFB233-063F-42B5-8137-9DF3F51BA10A}">
-      <p15:sldGuideLst xmlns:ahyp="http://schemas.microsoft.com/office/drawing/2018/hyperlinkcolor" xmlns:p15="http://schemas.microsoft.com/office/powerpoint/2012/main" xmlns:p14="http://schemas.microsoft.com/office/powerpoint/2010/main" xmlns:com="http://schemas.openxmlformats.org/drawingml/2006/compatibility" xmlns:pvml="urn:schemas-microsoft-com:office:powerpoint" xmlns:v="urn:schemas-microsoft-com:vml" xmlns:o="urn:schemas-microsoft-com:office:office" xmlns:dgm="http://schemas.openxmlformats.org/drawingml/2006/diagram" xmlns:c="http://schemas.openxmlformats.org/drawingml/2006/chart" xmlns:mv="urn:schemas-microsoft-com:mac:vml" xmlns:mc="http://schemas.openxmlformats.org/markup-compatibility/2006" xmlns="">
+      <p15:sldGuideLst xmlns:p15="http://schemas.microsoft.com/office/powerpoint/2012/main">
         <p15:guide id="1" orient="horz" pos="2160">
           <p15:clr>
             <a:srgbClr val="000000"/>
@@ -297,6 +297,33 @@
     </p:ext>
   </p:extLst>
 </p:presentation>
+</file>
+
+<file path=ppt/ink/ink1.xml><?xml version="1.0" encoding="utf-8"?>
+<inkml:ink xmlns:inkml="http://www.w3.org/2003/InkML">
+  <inkml:definitions>
+    <inkml:context xml:id="ctx0">
+      <inkml:inkSource xml:id="inkSrc0">
+        <inkml:traceFormat>
+          <inkml:channel name="X" type="integer" max="1366" units="cm"/>
+          <inkml:channel name="Y" type="integer" max="768" units="cm"/>
+        </inkml:traceFormat>
+        <inkml:channelProperties>
+          <inkml:channelProperty channel="X" name="resolution" value="49.31408" units="1/cm"/>
+          <inkml:channelProperty channel="Y" name="resolution" value="49.23077" units="1/cm"/>
+        </inkml:channelProperties>
+      </inkml:inkSource>
+      <inkml:timestamp xml:id="ts0" timeString="2022-12-18T01:28:35.832"/>
+    </inkml:context>
+    <inkml:brush xml:id="br0">
+      <inkml:brushProperty name="width" value="0.05292" units="cm"/>
+      <inkml:brushProperty name="height" value="0.05292" units="cm"/>
+      <inkml:brushProperty name="color" value="#FF0000"/>
+      <inkml:brushProperty name="fitToCurve" value="1"/>
+    </inkml:brush>
+  </inkml:definitions>
+  <inkml:trace contextRef="#ctx0" brushRef="#br0">0 0</inkml:trace>
+</inkml:ink>
 </file>
 
 <file path=ppt/notesMasters/notesMaster1.xml><?xml version="1.0" encoding="utf-8"?>
@@ -12241,11 +12268,11 @@
               <a:buNone/>
             </a:pPr>
             <a:r>
-              <a:rPr lang="en-US" dirty="0" err="1" smtClean="0"/>
+              <a:rPr lang="en-US" dirty="0" err="1"/>
               <a:t>類神經網路</a:t>
             </a:r>
             <a:r>
-              <a:rPr lang="zh-TW" altLang="en-US" dirty="0" smtClean="0"/>
+              <a:rPr lang="zh-TW" altLang="en-US" dirty="0"/>
               <a:t>簡介</a:t>
             </a:r>
             <a:endParaRPr dirty="0"/>
@@ -12304,13 +12331,6 @@
   <p:clrMapOvr>
     <a:masterClrMapping/>
   </p:clrMapOvr>
-  <p:timing>
-    <p:tnLst>
-      <p:par>
-        <p:cTn id="1" dur="indefinite" restart="never" nodeType="tmRoot"/>
-      </p:par>
-    </p:tnLst>
-  </p:timing>
 </p:sld>
 </file>
 
@@ -12347,10 +12367,9 @@
           <a:lstStyle/>
           <a:p>
             <a:r>
-              <a:rPr lang="zh-TW" altLang="en-US" dirty="0" smtClean="0"/>
+              <a:rPr lang="zh-TW" altLang="en-US" dirty="0"/>
               <a:t>多層</a:t>
             </a:r>
-            <a:endParaRPr lang="zh-TW" altLang="en-US" dirty="0"/>
           </a:p>
         </p:txBody>
       </p:sp>
@@ -12411,13 +12430,6 @@
   <p:clrMapOvr>
     <a:masterClrMapping/>
   </p:clrMapOvr>
-  <p:timing>
-    <p:tnLst>
-      <p:par>
-        <p:cTn id="1" dur="indefinite" restart="never" nodeType="tmRoot"/>
-      </p:par>
-    </p:tnLst>
-  </p:timing>
 </p:sld>
 </file>
 
@@ -12454,18 +12466,17 @@
           <a:lstStyle/>
           <a:p>
             <a:r>
-              <a:rPr lang="zh-TW" altLang="en-US" dirty="0" smtClean="0"/>
+              <a:rPr lang="zh-TW" altLang="en-US" dirty="0"/>
               <a:t>深度學習</a:t>
             </a:r>
             <a:r>
-              <a:rPr lang="en-US" altLang="zh-TW" dirty="0" err="1" smtClean="0"/>
+              <a:rPr lang="en-US" altLang="zh-TW" dirty="0" err="1"/>
               <a:t>vs</a:t>
             </a:r>
             <a:r>
-              <a:rPr lang="zh-TW" altLang="en-US" dirty="0" smtClean="0"/>
+              <a:rPr lang="zh-TW" altLang="en-US" dirty="0"/>
               <a:t>人工智慧</a:t>
             </a:r>
-            <a:endParaRPr lang="zh-TW" altLang="en-US" dirty="0"/>
           </a:p>
         </p:txBody>
       </p:sp>
@@ -12522,10 +12533,9 @@
           <a:lstStyle/>
           <a:p>
             <a:r>
-              <a:rPr lang="zh-TW" altLang="en-US" sz="3200" dirty="0" smtClean="0"/>
+              <a:rPr lang="zh-TW" altLang="en-US" sz="3200" dirty="0"/>
               <a:t>人工智慧</a:t>
             </a:r>
-            <a:endParaRPr lang="zh-TW" altLang="en-US" sz="3200" dirty="0"/>
           </a:p>
         </p:txBody>
       </p:sp>
@@ -12563,10 +12573,9 @@
           <a:lstStyle/>
           <a:p>
             <a:r>
-              <a:rPr lang="zh-TW" altLang="en-US" sz="3200" dirty="0" smtClean="0"/>
+              <a:rPr lang="zh-TW" altLang="en-US" sz="3200" dirty="0"/>
               <a:t>機器學習</a:t>
             </a:r>
-            <a:endParaRPr lang="zh-TW" altLang="en-US" sz="3200" dirty="0"/>
           </a:p>
         </p:txBody>
       </p:sp>
@@ -12604,10 +12613,9 @@
           <a:lstStyle/>
           <a:p>
             <a:r>
-              <a:rPr lang="zh-TW" altLang="en-US" sz="3200" dirty="0" smtClean="0"/>
+              <a:rPr lang="zh-TW" altLang="en-US" sz="3200" dirty="0"/>
               <a:t>深度學習</a:t>
             </a:r>
-            <a:endParaRPr lang="zh-TW" altLang="en-US" sz="3200" dirty="0"/>
           </a:p>
         </p:txBody>
       </p:sp>
@@ -12616,13 +12624,6 @@
   <p:clrMapOvr>
     <a:masterClrMapping/>
   </p:clrMapOvr>
-  <p:timing>
-    <p:tnLst>
-      <p:par>
-        <p:cTn id="1" dur="indefinite" restart="never" nodeType="tmRoot"/>
-      </p:par>
-    </p:tnLst>
-  </p:timing>
 </p:sld>
 </file>
 
@@ -12659,22 +12660,21 @@
           <a:lstStyle/>
           <a:p>
             <a:r>
-              <a:rPr lang="zh-TW" altLang="en-US" dirty="0" smtClean="0"/>
+              <a:rPr lang="zh-TW" altLang="en-US" dirty="0"/>
               <a:t>傳統方法 </a:t>
             </a:r>
             <a:r>
-              <a:rPr lang="en-US" altLang="zh-TW" dirty="0" err="1" smtClean="0"/>
+              <a:rPr lang="en-US" altLang="zh-TW" dirty="0" err="1"/>
               <a:t>vs</a:t>
             </a:r>
             <a:r>
-              <a:rPr lang="en-US" altLang="zh-TW" dirty="0" smtClean="0"/>
+              <a:rPr lang="en-US" altLang="zh-TW" dirty="0"/>
               <a:t> </a:t>
             </a:r>
             <a:r>
-              <a:rPr lang="zh-TW" altLang="en-US" dirty="0" smtClean="0"/>
+              <a:rPr lang="zh-TW" altLang="en-US" dirty="0"/>
               <a:t>機器學習</a:t>
             </a:r>
-            <a:endParaRPr lang="zh-TW" altLang="en-US" dirty="0"/>
           </a:p>
         </p:txBody>
       </p:sp>
@@ -12694,10 +12694,25 @@
           <a:lstStyle/>
           <a:p>
             <a:r>
-              <a:rPr lang="zh-TW" altLang="en-US" dirty="0" smtClean="0"/>
-              <a:t>以監督式學習為例</a:t>
+              <a:rPr lang="zh-TW" altLang="en-US" dirty="0"/>
+              <a:t>傳統方式</a:t>
             </a:r>
-            <a:endParaRPr lang="zh-TW" altLang="en-US" dirty="0"/>
+            <a:endParaRPr lang="en-US" altLang="zh-TW" dirty="0"/>
+          </a:p>
+          <a:p>
+            <a:endParaRPr lang="en-US" altLang="zh-TW" dirty="0"/>
+          </a:p>
+          <a:p>
+            <a:endParaRPr lang="en-US" altLang="zh-TW" dirty="0"/>
+          </a:p>
+          <a:p>
+            <a:endParaRPr lang="en-US" altLang="zh-TW" dirty="0"/>
+          </a:p>
+          <a:p>
+            <a:r>
+              <a:rPr lang="zh-TW" altLang="en-US" dirty="0"/>
+              <a:t>監督式機器學習</a:t>
+            </a:r>
           </a:p>
         </p:txBody>
       </p:sp>
@@ -12736,18 +12751,17 @@
           <a:p>
             <a:pPr algn="ctr"/>
             <a:r>
-              <a:rPr lang="zh-TW" altLang="en-US" sz="2000" dirty="0" smtClean="0"/>
+              <a:rPr lang="zh-TW" altLang="en-US" sz="2000" dirty="0"/>
               <a:t>規則  </a:t>
             </a:r>
-            <a:endParaRPr lang="en-US" altLang="zh-TW" sz="2000" dirty="0" smtClean="0"/>
+            <a:endParaRPr lang="en-US" altLang="zh-TW" sz="2000" dirty="0"/>
           </a:p>
           <a:p>
             <a:pPr algn="ctr"/>
             <a:r>
-              <a:rPr lang="zh-TW" altLang="en-US" sz="2000" dirty="0" smtClean="0"/>
+              <a:rPr lang="zh-TW" altLang="en-US" sz="2000" dirty="0"/>
               <a:t>資料  </a:t>
             </a:r>
-            <a:endParaRPr lang="zh-TW" altLang="en-US" sz="2000" dirty="0"/>
           </a:p>
         </p:txBody>
       </p:sp>
@@ -12786,10 +12800,9 @@
           <a:p>
             <a:pPr algn="ctr"/>
             <a:r>
-              <a:rPr lang="zh-TW" altLang="en-US" sz="2000" dirty="0" smtClean="0"/>
+              <a:rPr lang="zh-TW" altLang="en-US" sz="2000" dirty="0"/>
               <a:t>傳統程式開發</a:t>
             </a:r>
-            <a:endParaRPr lang="zh-TW" altLang="en-US" sz="2000" dirty="0"/>
           </a:p>
         </p:txBody>
       </p:sp>
@@ -12868,10 +12881,9 @@
           <a:p>
             <a:pPr algn="ctr"/>
             <a:r>
-              <a:rPr lang="zh-TW" altLang="en-US" sz="2000" dirty="0" smtClean="0"/>
+              <a:rPr lang="zh-TW" altLang="en-US" sz="2000" dirty="0"/>
               <a:t>答案</a:t>
             </a:r>
-            <a:endParaRPr lang="zh-TW" altLang="en-US" sz="2000" dirty="0"/>
           </a:p>
         </p:txBody>
       </p:sp>
@@ -12950,18 +12962,17 @@
           <a:p>
             <a:pPr algn="ctr"/>
             <a:r>
-              <a:rPr lang="zh-TW" altLang="en-US" sz="2000" dirty="0" smtClean="0"/>
+              <a:rPr lang="zh-TW" altLang="en-US" sz="2000" dirty="0"/>
               <a:t>資料  </a:t>
             </a:r>
-            <a:endParaRPr lang="en-US" altLang="zh-TW" sz="2000" dirty="0" smtClean="0"/>
+            <a:endParaRPr lang="en-US" altLang="zh-TW" sz="2000" dirty="0"/>
           </a:p>
           <a:p>
             <a:pPr algn="ctr"/>
             <a:r>
-              <a:rPr lang="zh-TW" altLang="en-US" sz="2000" dirty="0" smtClean="0"/>
+              <a:rPr lang="zh-TW" altLang="en-US" sz="2000" dirty="0"/>
               <a:t>答案</a:t>
             </a:r>
-            <a:endParaRPr lang="zh-TW" altLang="en-US" sz="2000" dirty="0"/>
           </a:p>
         </p:txBody>
       </p:sp>
@@ -13000,10 +13011,9 @@
           <a:p>
             <a:pPr algn="ctr"/>
             <a:r>
-              <a:rPr lang="zh-TW" altLang="en-US" sz="2000" dirty="0" smtClean="0"/>
+              <a:rPr lang="zh-TW" altLang="en-US" sz="2000" dirty="0"/>
               <a:t>機器學習</a:t>
             </a:r>
-            <a:endParaRPr lang="zh-TW" altLang="en-US" sz="2000" dirty="0"/>
           </a:p>
         </p:txBody>
       </p:sp>
@@ -13082,10 +13092,9 @@
           <a:p>
             <a:pPr algn="ctr"/>
             <a:r>
-              <a:rPr lang="zh-TW" altLang="en-US" sz="2000" dirty="0" smtClean="0"/>
+              <a:rPr lang="zh-TW" altLang="en-US" sz="2000" dirty="0"/>
               <a:t>規則</a:t>
             </a:r>
-            <a:endParaRPr lang="zh-TW" altLang="en-US" sz="2000" dirty="0"/>
           </a:p>
         </p:txBody>
       </p:sp>
@@ -13134,13 +13143,6 @@
   <p:clrMapOvr>
     <a:masterClrMapping/>
   </p:clrMapOvr>
-  <p:timing>
-    <p:tnLst>
-      <p:par>
-        <p:cTn id="1" dur="indefinite" restart="never" nodeType="tmRoot"/>
-      </p:par>
-    </p:tnLst>
-  </p:timing>
 </p:sld>
 </file>
 
@@ -13176,7 +13178,11 @@
           <a:bodyPr/>
           <a:lstStyle/>
           <a:p>
-            <a:endParaRPr lang="zh-TW" altLang="en-US"/>
+            <a:r>
+              <a:rPr lang="en-US" altLang="zh-TW" dirty="0"/>
+              <a:t>CNN</a:t>
+            </a:r>
+            <a:endParaRPr lang="zh-TW" altLang="en-US" dirty="0"/>
           </a:p>
         </p:txBody>
       </p:sp>
@@ -13195,7 +13201,15 @@
           <a:bodyPr/>
           <a:lstStyle/>
           <a:p>
-            <a:endParaRPr lang="zh-TW" altLang="en-US"/>
+            <a:r>
+              <a:rPr lang="zh-TW" altLang="en-US" dirty="0"/>
+              <a:t>更適合做影像辨識的</a:t>
+            </a:r>
+            <a:r>
+              <a:rPr lang="en-US" altLang="zh-TW" dirty="0"/>
+              <a:t>CNN</a:t>
+            </a:r>
+            <a:endParaRPr lang="zh-TW" altLang="en-US" dirty="0"/>
           </a:p>
         </p:txBody>
       </p:sp>
@@ -13221,15 +13235,15 @@
           <a:lstStyle/>
           <a:p>
             <a:r>
-              <a:rPr lang="en-US" altLang="zh-TW" dirty="0" smtClean="0"/>
+              <a:rPr lang="en-US" altLang="zh-TW" dirty="0"/>
               <a:t>Ref:</a:t>
             </a:r>
             <a:r>
-              <a:rPr lang="zh-TW" altLang="en-US" dirty="0" smtClean="0"/>
+              <a:rPr lang="zh-TW" altLang="en-US" dirty="0"/>
               <a:t> </a:t>
             </a:r>
             <a:r>
-              <a:rPr lang="en-US" altLang="zh-TW" dirty="0" smtClean="0"/>
+              <a:rPr lang="en-US" altLang="zh-TW" dirty="0"/>
               <a:t>https://ithelp.ithome.com.tw/articles/10221327</a:t>
             </a:r>
             <a:endParaRPr lang="zh-TW" altLang="en-US" dirty="0"/>
@@ -13274,13 +13288,6 @@
   <p:clrMapOvr>
     <a:masterClrMapping/>
   </p:clrMapOvr>
-  <p:timing>
-    <p:tnLst>
-      <p:par>
-        <p:cTn id="1" dur="indefinite" restart="never" nodeType="tmRoot"/>
-      </p:par>
-    </p:tnLst>
-  </p:timing>
 </p:sld>
 </file>
 
@@ -13316,7 +13323,11 @@
           <a:bodyPr/>
           <a:lstStyle/>
           <a:p>
-            <a:endParaRPr lang="zh-TW" altLang="en-US"/>
+            <a:r>
+              <a:rPr lang="en-US" altLang="zh-TW" dirty="0"/>
+              <a:t>CNN</a:t>
+            </a:r>
+            <a:endParaRPr lang="zh-TW" altLang="en-US" dirty="0"/>
           </a:p>
         </p:txBody>
       </p:sp>
@@ -13361,7 +13372,7 @@
           <a:lstStyle/>
           <a:p>
             <a:r>
-              <a:rPr lang="en-US" altLang="zh-TW" dirty="0" smtClean="0"/>
+              <a:rPr lang="en-US" altLang="zh-TW" dirty="0"/>
               <a:t>https://www.796t.com/content/1544991316.html</a:t>
             </a:r>
             <a:endParaRPr lang="zh-TW" altLang="en-US" dirty="0"/>
@@ -13406,13 +13417,6 @@
   <p:clrMapOvr>
     <a:masterClrMapping/>
   </p:clrMapOvr>
-  <p:timing>
-    <p:tnLst>
-      <p:par>
-        <p:cTn id="1" dur="indefinite" restart="never" nodeType="tmRoot"/>
-      </p:par>
-    </p:tnLst>
-  </p:timing>
 </p:sld>
 </file>
 
@@ -13449,10 +13453,9 @@
           <a:lstStyle/>
           <a:p>
             <a:r>
-              <a:rPr lang="zh-TW" altLang="en-US" dirty="0" smtClean="0"/>
+              <a:rPr lang="zh-TW" altLang="en-US" dirty="0"/>
               <a:t>神經網路的目的</a:t>
             </a:r>
-            <a:endParaRPr lang="zh-TW" altLang="en-US" dirty="0"/>
           </a:p>
         </p:txBody>
       </p:sp>
@@ -13472,10 +13475,9 @@
           <a:lstStyle/>
           <a:p>
             <a:r>
-              <a:rPr lang="zh-TW" altLang="en-US" dirty="0" smtClean="0"/>
+              <a:rPr lang="zh-TW" altLang="en-US" dirty="0"/>
               <a:t>目的：為了找到這些權重的正確值</a:t>
             </a:r>
-            <a:endParaRPr lang="zh-TW" altLang="en-US" dirty="0"/>
           </a:p>
         </p:txBody>
       </p:sp>
@@ -13517,13 +13519,6 @@
   <p:clrMapOvr>
     <a:masterClrMapping/>
   </p:clrMapOvr>
-  <p:timing>
-    <p:tnLst>
-      <p:par>
-        <p:cTn id="1" dur="indefinite" restart="never" nodeType="tmRoot"/>
-      </p:par>
-    </p:tnLst>
-  </p:timing>
 </p:sld>
 </file>
 
@@ -13560,14 +13555,13 @@
           <a:lstStyle/>
           <a:p>
             <a:r>
-              <a:rPr lang="en-US" altLang="zh-TW" dirty="0" smtClean="0"/>
+              <a:rPr lang="en-US" altLang="zh-TW" dirty="0"/>
               <a:t>NN</a:t>
             </a:r>
             <a:r>
-              <a:rPr lang="zh-TW" altLang="en-US" dirty="0" smtClean="0"/>
+              <a:rPr lang="zh-TW" altLang="en-US" dirty="0"/>
               <a:t>普及之前</a:t>
             </a:r>
-            <a:endParaRPr lang="zh-TW" altLang="en-US" dirty="0"/>
           </a:p>
         </p:txBody>
       </p:sp>
@@ -13587,30 +13581,30 @@
           <a:lstStyle/>
           <a:p>
             <a:r>
-              <a:rPr lang="en-US" altLang="zh-TW" dirty="0" smtClean="0"/>
+              <a:rPr lang="en-US" altLang="zh-TW" dirty="0"/>
               <a:t>Kernel</a:t>
             </a:r>
             <a:r>
-              <a:rPr lang="zh-TW" altLang="en-US" dirty="0" smtClean="0"/>
+              <a:rPr lang="zh-TW" altLang="en-US" dirty="0"/>
               <a:t> </a:t>
             </a:r>
             <a:r>
-              <a:rPr lang="en-US" altLang="zh-TW" dirty="0" smtClean="0"/>
+              <a:rPr lang="en-US" altLang="zh-TW" dirty="0"/>
               <a:t>methods</a:t>
             </a:r>
             <a:r>
-              <a:rPr lang="zh-TW" altLang="en-US" dirty="0" smtClean="0"/>
+              <a:rPr lang="zh-TW" altLang="en-US" dirty="0"/>
               <a:t> 與</a:t>
             </a:r>
             <a:r>
-              <a:rPr lang="en-US" altLang="zh-TW" dirty="0" err="1" smtClean="0"/>
+              <a:rPr lang="en-US" altLang="zh-TW" dirty="0" err="1"/>
               <a:t>SVM當道</a:t>
             </a:r>
-            <a:endParaRPr lang="en-US" altLang="zh-TW" dirty="0" smtClean="0"/>
+            <a:endParaRPr lang="en-US" altLang="zh-TW" dirty="0"/>
           </a:p>
           <a:p>
             <a:r>
-              <a:rPr lang="en-US" altLang="zh-TW" dirty="0" smtClean="0"/>
+              <a:rPr lang="en-US" altLang="zh-TW" dirty="0"/>
               <a:t>1990年代時SVM取得成功的成果，所以NN就又被遺忘了</a:t>
             </a:r>
             <a:endParaRPr lang="zh-TW" altLang="en-US" dirty="0"/>
@@ -13622,13 +13616,6 @@
   <p:clrMapOvr>
     <a:masterClrMapping/>
   </p:clrMapOvr>
-  <p:timing>
-    <p:tnLst>
-      <p:par>
-        <p:cTn id="1" dur="indefinite" restart="never" nodeType="tmRoot"/>
-      </p:par>
-    </p:tnLst>
-  </p:timing>
 </p:sld>
 </file>
 
@@ -13665,7 +13652,7 @@
           <a:lstStyle/>
           <a:p>
             <a:r>
-              <a:rPr lang="en-US" altLang="zh-TW" dirty="0" smtClean="0"/>
+              <a:rPr lang="en-US" altLang="zh-TW" dirty="0"/>
               <a:t>SVM</a:t>
             </a:r>
             <a:endParaRPr lang="zh-TW" altLang="en-US" dirty="0"/>
@@ -13688,10 +13675,9 @@
           <a:lstStyle/>
           <a:p>
             <a:r>
-              <a:rPr lang="zh-TW" altLang="en-US" dirty="0" smtClean="0"/>
+              <a:rPr lang="zh-TW" altLang="en-US" dirty="0"/>
               <a:t>找出決策邊介</a:t>
             </a:r>
-            <a:endParaRPr lang="zh-TW" altLang="en-US" dirty="0"/>
           </a:p>
         </p:txBody>
       </p:sp>
@@ -13733,13 +13719,6 @@
   <p:clrMapOvr>
     <a:masterClrMapping/>
   </p:clrMapOvr>
-  <p:timing>
-    <p:tnLst>
-      <p:par>
-        <p:cTn id="1" dur="indefinite" restart="never" nodeType="tmRoot"/>
-      </p:par>
-    </p:tnLst>
-  </p:timing>
 </p:sld>
 </file>
 
@@ -13776,10 +13755,9 @@
           <a:lstStyle/>
           <a:p>
             <a:r>
-              <a:rPr lang="zh-TW" altLang="en-US" dirty="0" smtClean="0"/>
+              <a:rPr lang="zh-TW" altLang="en-US" dirty="0"/>
               <a:t>決策樹</a:t>
             </a:r>
-            <a:endParaRPr lang="zh-TW" altLang="en-US" dirty="0"/>
           </a:p>
         </p:txBody>
       </p:sp>
@@ -13799,15 +13777,15 @@
           <a:lstStyle/>
           <a:p>
             <a:r>
-              <a:rPr lang="zh-TW" altLang="en-US" dirty="0" smtClean="0"/>
+              <a:rPr lang="zh-TW" altLang="en-US" dirty="0"/>
               <a:t>在</a:t>
             </a:r>
             <a:r>
-              <a:rPr lang="en-US" altLang="zh-TW" dirty="0" err="1" smtClean="0"/>
+              <a:rPr lang="en-US" altLang="zh-TW" dirty="0" err="1"/>
               <a:t>SVM之後，NN要再起來之前，決策樹又有很好的成果，所以</a:t>
             </a:r>
             <a:r>
-              <a:rPr lang="en-US" altLang="zh-TW" dirty="0" smtClean="0"/>
+              <a:rPr lang="en-US" altLang="zh-TW" dirty="0"/>
               <a:t>…</a:t>
             </a:r>
             <a:endParaRPr lang="zh-TW" altLang="en-US" dirty="0"/>
@@ -13852,13 +13830,6 @@
   <p:clrMapOvr>
     <a:masterClrMapping/>
   </p:clrMapOvr>
-  <p:timing>
-    <p:tnLst>
-      <p:par>
-        <p:cTn id="1" dur="indefinite" restart="never" nodeType="tmRoot"/>
-      </p:par>
-    </p:tnLst>
-  </p:timing>
 </p:sld>
 </file>
 
@@ -13895,10 +13866,9 @@
           <a:lstStyle/>
           <a:p>
             <a:r>
-              <a:rPr lang="zh-TW" altLang="en-US" dirty="0" smtClean="0"/>
+              <a:rPr lang="zh-TW" altLang="en-US" dirty="0"/>
               <a:t>神經網路的抬頭</a:t>
             </a:r>
-            <a:endParaRPr lang="zh-TW" altLang="en-US" dirty="0"/>
           </a:p>
         </p:txBody>
       </p:sp>
@@ -13918,7 +13888,7 @@
           <a:lstStyle/>
           <a:p>
             <a:r>
-              <a:rPr lang="en-US" altLang="zh-TW" dirty="0" smtClean="0"/>
+              <a:rPr lang="en-US" altLang="zh-TW" dirty="0"/>
               <a:t>ImageNet使用CNN達到96.4%2準確率時，這個問題被認為是一個已解決的問題</a:t>
             </a:r>
             <a:endParaRPr lang="zh-TW" altLang="en-US" dirty="0"/>
@@ -13930,13 +13900,6 @@
   <p:clrMapOvr>
     <a:masterClrMapping/>
   </p:clrMapOvr>
-  <p:timing>
-    <p:tnLst>
-      <p:par>
-        <p:cTn id="1" dur="indefinite" restart="never" nodeType="tmRoot"/>
-      </p:par>
-    </p:tnLst>
-  </p:timing>
 </p:sld>
 </file>
 
@@ -13973,7 +13936,7 @@
           <a:lstStyle/>
           <a:p>
             <a:r>
-              <a:rPr lang="en-US" altLang="zh-TW" dirty="0" smtClean="0"/>
+              <a:rPr lang="en-US" altLang="zh-TW" dirty="0"/>
               <a:t>ANN</a:t>
             </a:r>
             <a:endParaRPr lang="zh-TW" altLang="en-US" dirty="0"/>
@@ -13996,7 +13959,7 @@
           <a:lstStyle/>
           <a:p>
             <a:r>
-              <a:rPr lang="en-US" altLang="zh-TW" dirty="0" smtClean="0"/>
+              <a:rPr lang="en-US" altLang="zh-TW" dirty="0"/>
               <a:t>Artificial Neural Network</a:t>
             </a:r>
             <a:endParaRPr lang="zh-TW" altLang="en-US" dirty="0"/>
@@ -14026,7 +13989,7 @@
           <a:lstStyle/>
           <a:p>
             <a:r>
-              <a:rPr lang="en-US" altLang="zh-TW" dirty="0" smtClean="0"/>
+              <a:rPr lang="en-US" altLang="zh-TW" dirty="0"/>
               <a:t>Ref: https://en.wikipedia.org/wiki/Artificial_neural_network</a:t>
             </a:r>
             <a:endParaRPr lang="zh-TW" altLang="en-US" dirty="0"/>
@@ -14071,13 +14034,6 @@
   <p:clrMapOvr>
     <a:masterClrMapping/>
   </p:clrMapOvr>
-  <p:timing>
-    <p:tnLst>
-      <p:par>
-        <p:cTn id="1" dur="indefinite" restart="never" nodeType="tmRoot"/>
-      </p:par>
-    </p:tnLst>
-  </p:timing>
 </p:sld>
 </file>
 
@@ -14189,10 +14145,22 @@
               <a:buChar char="•"/>
             </a:pPr>
             <a:r>
-              <a:rPr lang="en-US"/>
-              <a:t>定義訓練資料</a:t>
+              <a:rPr lang="en-US" dirty="0" err="1"/>
+              <a:t>定義</a:t>
             </a:r>
-            <a:endParaRPr/>
+            <a:r>
+              <a:rPr lang="en-US" dirty="0"/>
+              <a:t>/</a:t>
+            </a:r>
+            <a:r>
+              <a:rPr lang="zh-TW" altLang="en-US" dirty="0"/>
+              <a:t>準備</a:t>
+            </a:r>
+            <a:r>
+              <a:rPr lang="en-US" dirty="0" err="1"/>
+              <a:t>訓練資料</a:t>
+            </a:r>
+            <a:endParaRPr dirty="0"/>
           </a:p>
           <a:p>
             <a:pPr marL="342900" lvl="0" indent="-228600" algn="l" rtl="0">
@@ -14206,10 +14174,10 @@
               <a:buChar char="•"/>
             </a:pPr>
             <a:r>
-              <a:rPr lang="en-US"/>
+              <a:rPr lang="en-US" dirty="0" err="1"/>
               <a:t>定義神經網絡模型</a:t>
             </a:r>
-            <a:endParaRPr/>
+            <a:endParaRPr dirty="0"/>
           </a:p>
           <a:p>
             <a:pPr marL="342900" lvl="0" indent="-228600" algn="l" rtl="0">
@@ -14223,10 +14191,10 @@
               <a:buChar char="•"/>
             </a:pPr>
             <a:r>
-              <a:rPr lang="en-US"/>
+              <a:rPr lang="en-US" dirty="0" err="1"/>
               <a:t>訓練模型</a:t>
             </a:r>
-            <a:endParaRPr/>
+            <a:endParaRPr dirty="0"/>
           </a:p>
           <a:p>
             <a:pPr marL="342900" lvl="0" indent="-228600" algn="l" rtl="0">
@@ -14240,10 +14208,10 @@
               <a:buChar char="•"/>
             </a:pPr>
             <a:r>
-              <a:rPr lang="en-US"/>
+              <a:rPr lang="en-US" dirty="0" err="1"/>
               <a:t>測試模型</a:t>
             </a:r>
-            <a:endParaRPr/>
+            <a:endParaRPr dirty="0"/>
           </a:p>
           <a:p>
             <a:pPr marL="342900" lvl="0" indent="-88900" algn="l" rtl="0">
@@ -14256,7 +14224,7 @@
               <a:buSzPts val="2200"/>
               <a:buNone/>
             </a:pPr>
-            <a:endParaRPr/>
+            <a:endParaRPr dirty="0"/>
           </a:p>
         </p:txBody>
       </p:sp>
@@ -14265,13 +14233,6 @@
   <p:clrMapOvr>
     <a:masterClrMapping/>
   </p:clrMapOvr>
-  <p:timing>
-    <p:tnLst>
-      <p:par>
-        <p:cTn id="1" dur="indefinite" restart="never" nodeType="tmRoot"/>
-      </p:par>
-    </p:tnLst>
-  </p:timing>
 </p:sld>
 </file>
 
@@ -14455,13 +14416,6 @@
   <p:clrMapOvr>
     <a:masterClrMapping/>
   </p:clrMapOvr>
-  <p:timing>
-    <p:tnLst>
-      <p:par>
-        <p:cTn id="1" dur="indefinite" restart="never" nodeType="tmRoot"/>
-      </p:par>
-    </p:tnLst>
-  </p:timing>
 </p:sld>
 </file>
 
@@ -14599,13 +14553,6 @@
   <p:clrMapOvr>
     <a:masterClrMapping/>
   </p:clrMapOvr>
-  <p:timing>
-    <p:tnLst>
-      <p:par>
-        <p:cTn id="1" dur="indefinite" restart="never" nodeType="tmRoot"/>
-      </p:par>
-    </p:tnLst>
-  </p:timing>
 </p:sld>
 </file>
 
@@ -14743,13 +14690,6 @@
   <p:clrMapOvr>
     <a:masterClrMapping/>
   </p:clrMapOvr>
-  <p:timing>
-    <p:tnLst>
-      <p:par>
-        <p:cTn id="1" dur="indefinite" restart="never" nodeType="tmRoot"/>
-      </p:par>
-    </p:tnLst>
-  </p:timing>
 </p:sld>
 </file>
 
@@ -14887,13 +14827,6 @@
   <p:clrMapOvr>
     <a:masterClrMapping/>
   </p:clrMapOvr>
-  <p:timing>
-    <p:tnLst>
-      <p:par>
-        <p:cTn id="1" dur="indefinite" restart="never" nodeType="tmRoot"/>
-      </p:par>
-    </p:tnLst>
-  </p:timing>
 </p:sld>
 </file>
 
@@ -15031,13 +14964,6 @@
   <p:clrMapOvr>
     <a:masterClrMapping/>
   </p:clrMapOvr>
-  <p:timing>
-    <p:tnLst>
-      <p:par>
-        <p:cTn id="1" dur="indefinite" restart="never" nodeType="tmRoot"/>
-      </p:par>
-    </p:tnLst>
-  </p:timing>
 </p:sld>
 </file>
 
@@ -15175,13 +15101,6 @@
   <p:clrMapOvr>
     <a:masterClrMapping/>
   </p:clrMapOvr>
-  <p:timing>
-    <p:tnLst>
-      <p:par>
-        <p:cTn id="1" dur="indefinite" restart="never" nodeType="tmRoot"/>
-      </p:par>
-    </p:tnLst>
-  </p:timing>
 </p:sld>
 </file>
 
@@ -15217,7 +15136,10 @@
           <a:bodyPr/>
           <a:lstStyle/>
           <a:p>
-            <a:endParaRPr lang="zh-TW" altLang="en-US"/>
+            <a:r>
+              <a:rPr lang="zh-TW" altLang="en-US" dirty="0"/>
+              <a:t>小試身手</a:t>
+            </a:r>
           </a:p>
         </p:txBody>
       </p:sp>
@@ -15236,7 +15158,7 @@
           <a:bodyPr/>
           <a:lstStyle/>
           <a:p>
-            <a:endParaRPr lang="zh-TW" altLang="en-US"/>
+            <a:endParaRPr lang="zh-TW" altLang="en-US" dirty="0"/>
           </a:p>
         </p:txBody>
       </p:sp>
@@ -15281,11 +15203,11 @@
           <a:lstStyle/>
           <a:p>
             <a:r>
-              <a:rPr lang="zh-TW" altLang="en-US" dirty="0" smtClean="0"/>
+              <a:rPr lang="zh-TW" altLang="en-US" dirty="0"/>
               <a:t>試著修改</a:t>
             </a:r>
             <a:r>
-              <a:rPr lang="en-US" altLang="zh-TW" dirty="0" smtClean="0"/>
+              <a:rPr lang="en-US" altLang="zh-TW" dirty="0"/>
               <a:t>code</a:t>
             </a:r>
             <a:endParaRPr lang="zh-TW" altLang="en-US" dirty="0"/>
@@ -15308,129 +15230,129 @@
           <a:lstStyle/>
           <a:p>
             <a:r>
-              <a:rPr lang="zh-TW" altLang="en-US" dirty="0" smtClean="0"/>
+              <a:rPr lang="zh-TW" altLang="en-US" dirty="0"/>
               <a:t>第一層的數量</a:t>
             </a:r>
-            <a:endParaRPr lang="en-US" altLang="zh-TW" dirty="0" smtClean="0"/>
+            <a:endParaRPr lang="en-US" altLang="zh-TW" dirty="0"/>
           </a:p>
           <a:p>
             <a:r>
-              <a:rPr lang="en-US" altLang="zh-TW" dirty="0" smtClean="0"/>
+              <a:rPr lang="en-US" altLang="zh-TW" dirty="0"/>
               <a:t>256 </a:t>
             </a:r>
             <a:r>
-              <a:rPr lang="en-US" altLang="zh-TW" dirty="0" smtClean="0">
+              <a:rPr lang="en-US" altLang="zh-TW" dirty="0">
                 <a:sym typeface="Wingdings" pitchFamily="2" charset="2"/>
               </a:rPr>
               <a:t></a:t>
             </a:r>
             <a:r>
-              <a:rPr lang="zh-TW" altLang="en-US" dirty="0" smtClean="0">
+              <a:rPr lang="zh-TW" altLang="en-US" dirty="0">
                 <a:sym typeface="Wingdings" pitchFamily="2" charset="2"/>
               </a:rPr>
               <a:t> </a:t>
             </a:r>
             <a:r>
-              <a:rPr lang="en-US" altLang="zh-TW" dirty="0" smtClean="0"/>
+              <a:rPr lang="en-US" altLang="zh-TW" dirty="0"/>
               <a:t>16 </a:t>
             </a:r>
             <a:r>
-              <a:rPr lang="en-US" altLang="zh-TW" dirty="0" smtClean="0">
+              <a:rPr lang="en-US" altLang="zh-TW" dirty="0">
                 <a:sym typeface="Wingdings" pitchFamily="2" charset="2"/>
               </a:rPr>
               <a:t></a:t>
             </a:r>
             <a:r>
-              <a:rPr lang="en-US" altLang="zh-TW" dirty="0" smtClean="0"/>
+              <a:rPr lang="en-US" altLang="zh-TW" dirty="0"/>
               <a:t> 10000</a:t>
             </a:r>
           </a:p>
           <a:p>
             <a:r>
-              <a:rPr lang="en-US" altLang="zh-TW" dirty="0" err="1" smtClean="0"/>
+              <a:rPr lang="en-US" altLang="zh-TW" dirty="0" err="1"/>
               <a:t>Activation的類型</a:t>
             </a:r>
-            <a:endParaRPr lang="en-US" altLang="zh-TW" dirty="0" smtClean="0"/>
+            <a:endParaRPr lang="en-US" altLang="zh-TW" dirty="0"/>
           </a:p>
           <a:p>
             <a:r>
-              <a:rPr lang="en-US" altLang="zh-TW" dirty="0" err="1" smtClean="0"/>
+              <a:rPr lang="en-US" altLang="zh-TW" dirty="0" err="1"/>
               <a:t>relu</a:t>
             </a:r>
             <a:r>
-              <a:rPr lang="zh-TW" altLang="en-US" dirty="0" smtClean="0"/>
+              <a:rPr lang="zh-TW" altLang="en-US" dirty="0"/>
               <a:t> </a:t>
             </a:r>
             <a:r>
-              <a:rPr lang="en-US" altLang="zh-TW" dirty="0" smtClean="0">
+              <a:rPr lang="en-US" altLang="zh-TW" dirty="0">
                 <a:sym typeface="Wingdings" pitchFamily="2" charset="2"/>
               </a:rPr>
               <a:t></a:t>
             </a:r>
             <a:r>
-              <a:rPr lang="zh-TW" altLang="en-US" dirty="0" smtClean="0">
+              <a:rPr lang="zh-TW" altLang="en-US" dirty="0">
                 <a:sym typeface="Wingdings" pitchFamily="2" charset="2"/>
               </a:rPr>
               <a:t> </a:t>
             </a:r>
             <a:r>
-              <a:rPr lang="en-US" altLang="zh-TW" dirty="0" smtClean="0">
+              <a:rPr lang="en-US" altLang="zh-TW" dirty="0">
                 <a:sym typeface="Wingdings" pitchFamily="2" charset="2"/>
               </a:rPr>
               <a:t>sigmoid</a:t>
             </a:r>
             <a:r>
-              <a:rPr lang="zh-TW" altLang="en-US" dirty="0" smtClean="0">
+              <a:rPr lang="zh-TW" altLang="en-US" dirty="0">
                 <a:sym typeface="Wingdings" pitchFamily="2" charset="2"/>
               </a:rPr>
               <a:t> </a:t>
             </a:r>
             <a:r>
-              <a:rPr lang="en-US" altLang="zh-TW" dirty="0" smtClean="0">
+              <a:rPr lang="en-US" altLang="zh-TW" dirty="0">
                 <a:sym typeface="Wingdings" pitchFamily="2" charset="2"/>
               </a:rPr>
               <a:t> </a:t>
             </a:r>
             <a:r>
-              <a:rPr lang="en-US" altLang="zh-TW" dirty="0" err="1" smtClean="0">
+              <a:rPr lang="en-US" altLang="zh-TW" dirty="0" err="1">
                 <a:sym typeface="Wingdings" pitchFamily="2" charset="2"/>
               </a:rPr>
               <a:t>tanh</a:t>
             </a:r>
-            <a:endParaRPr lang="en-US" altLang="zh-TW" dirty="0" smtClean="0">
+            <a:endParaRPr lang="en-US" altLang="zh-TW" dirty="0">
               <a:sym typeface="Wingdings" pitchFamily="2" charset="2"/>
             </a:endParaRPr>
           </a:p>
           <a:p>
             <a:r>
-              <a:rPr lang="en-US" altLang="zh-TW" dirty="0" smtClean="0">
+              <a:rPr lang="en-US" altLang="zh-TW" dirty="0">
                 <a:sym typeface="Wingdings" pitchFamily="2" charset="2"/>
               </a:rPr>
               <a:t>epoch</a:t>
             </a:r>
             <a:r>
-              <a:rPr lang="zh-TW" altLang="en-US" dirty="0" smtClean="0">
+              <a:rPr lang="zh-TW" altLang="en-US" dirty="0">
                 <a:sym typeface="Wingdings" pitchFamily="2" charset="2"/>
               </a:rPr>
               <a:t> 的數量</a:t>
             </a:r>
-            <a:endParaRPr lang="en-US" altLang="zh-TW" dirty="0" smtClean="0">
+            <a:endParaRPr lang="en-US" altLang="zh-TW" dirty="0">
               <a:sym typeface="Wingdings" pitchFamily="2" charset="2"/>
             </a:endParaRPr>
           </a:p>
           <a:p>
             <a:r>
-              <a:rPr lang="en-US" altLang="zh-TW" dirty="0" err="1" smtClean="0">
+              <a:rPr lang="en-US" altLang="zh-TW" dirty="0" err="1">
                 <a:sym typeface="Wingdings" pitchFamily="2" charset="2"/>
               </a:rPr>
               <a:t>batch_sise的大小</a:t>
             </a:r>
-            <a:endParaRPr lang="en-US" altLang="zh-TW" dirty="0" smtClean="0">
+            <a:endParaRPr lang="en-US" altLang="zh-TW" dirty="0">
               <a:sym typeface="Wingdings" pitchFamily="2" charset="2"/>
             </a:endParaRPr>
           </a:p>
           <a:p>
-            <a:endParaRPr lang="en-US" altLang="zh-TW" dirty="0" smtClean="0"/>
+            <a:endParaRPr lang="en-US" altLang="zh-TW" dirty="0"/>
           </a:p>
           <a:p>
             <a:endParaRPr lang="zh-TW" altLang="en-US" dirty="0"/>
@@ -15478,10 +15400,9 @@
           <a:lstStyle/>
           <a:p>
             <a:r>
-              <a:rPr lang="zh-TW" altLang="en-US" dirty="0" smtClean="0"/>
+              <a:rPr lang="zh-TW" altLang="en-US" dirty="0"/>
               <a:t>改變第一層輸出的數量</a:t>
             </a:r>
-            <a:endParaRPr lang="zh-TW" altLang="en-US" dirty="0"/>
           </a:p>
         </p:txBody>
       </p:sp>
@@ -15578,7 +15499,7 @@
           <a:lstStyle/>
           <a:p>
             <a:r>
-              <a:rPr lang="en-US" altLang="zh-TW" dirty="0" smtClean="0"/>
+              <a:rPr lang="en-US" altLang="zh-TW" dirty="0"/>
               <a:t>ANN</a:t>
             </a:r>
             <a:endParaRPr lang="zh-TW" altLang="en-US" dirty="0"/>
@@ -15601,18 +15522,17 @@
           <a:lstStyle/>
           <a:p>
             <a:r>
-              <a:rPr lang="zh-TW" altLang="en-US" dirty="0" smtClean="0"/>
+              <a:rPr lang="zh-TW" altLang="en-US" dirty="0"/>
               <a:t>以</a:t>
             </a:r>
             <a:r>
-              <a:rPr lang="en-US" altLang="zh-TW" dirty="0" smtClean="0"/>
+              <a:rPr lang="en-US" altLang="zh-TW" dirty="0"/>
               <a:t>MNIST</a:t>
             </a:r>
             <a:r>
-              <a:rPr lang="zh-TW" altLang="en-US" dirty="0" smtClean="0"/>
+              <a:rPr lang="zh-TW" altLang="en-US" dirty="0"/>
               <a:t>手寫數字為例</a:t>
             </a:r>
-            <a:endParaRPr lang="zh-TW" altLang="en-US" dirty="0"/>
           </a:p>
         </p:txBody>
       </p:sp>
@@ -15639,7 +15559,7 @@
           <a:lstStyle/>
           <a:p>
             <a:r>
-              <a:rPr lang="en-US" altLang="zh-TW" dirty="0" smtClean="0"/>
+              <a:rPr lang="en-US" altLang="zh-TW" dirty="0"/>
               <a:t>Ref: https://medium.com/analytics-vidhya/applying-ann-digit-and-fashion-mnist-13accfc44660</a:t>
             </a:r>
             <a:endParaRPr lang="zh-TW" altLang="en-US" dirty="0"/>
@@ -15675,13 +15595,6 @@
   <p:clrMapOvr>
     <a:masterClrMapping/>
   </p:clrMapOvr>
-  <p:timing>
-    <p:tnLst>
-      <p:par>
-        <p:cTn id="1" dur="indefinite" restart="never" nodeType="tmRoot"/>
-      </p:par>
-    </p:tnLst>
-  </p:timing>
 </p:sld>
 </file>
 
@@ -15910,10 +15823,9 @@
           <a:lstStyle/>
           <a:p>
             <a:r>
-              <a:rPr lang="zh-TW" altLang="en-US" dirty="0" smtClean="0"/>
+              <a:rPr lang="zh-TW" altLang="en-US" dirty="0"/>
               <a:t>再來減少看看</a:t>
             </a:r>
-            <a:endParaRPr lang="zh-TW" altLang="en-US" dirty="0"/>
           </a:p>
         </p:txBody>
       </p:sp>
@@ -16106,10 +16018,9 @@
           <a:lstStyle/>
           <a:p>
             <a:r>
-              <a:rPr lang="zh-TW" altLang="en-US" dirty="0" smtClean="0"/>
+              <a:rPr lang="zh-TW" altLang="en-US" dirty="0"/>
               <a:t>再來增加大一點試試</a:t>
             </a:r>
-            <a:endParaRPr lang="zh-TW" altLang="en-US" dirty="0"/>
           </a:p>
         </p:txBody>
       </p:sp>
@@ -16206,10 +16117,9 @@
           <a:lstStyle/>
           <a:p>
             <a:r>
-              <a:rPr lang="zh-TW" altLang="en-US" dirty="0" smtClean="0"/>
+              <a:rPr lang="zh-TW" altLang="en-US" dirty="0"/>
               <a:t>再來增加大一點試試</a:t>
             </a:r>
-            <a:endParaRPr lang="zh-TW" altLang="en-US" dirty="0"/>
           </a:p>
         </p:txBody>
       </p:sp>
@@ -16306,11 +16216,11 @@
           <a:lstStyle/>
           <a:p>
             <a:r>
-              <a:rPr lang="zh-TW" altLang="en-US" dirty="0" smtClean="0"/>
+              <a:rPr lang="zh-TW" altLang="en-US" dirty="0"/>
               <a:t>不一樣的</a:t>
             </a:r>
             <a:r>
-              <a:rPr lang="en-US" altLang="zh-TW" dirty="0" smtClean="0"/>
+              <a:rPr lang="en-US" altLang="zh-TW" dirty="0"/>
               <a:t>activation</a:t>
             </a:r>
             <a:endParaRPr lang="zh-TW" altLang="en-US" dirty="0"/>
@@ -16333,54 +16243,54 @@
           <a:lstStyle/>
           <a:p>
             <a:r>
-              <a:rPr lang="en-US" b="1" dirty="0" err="1" smtClean="0"/>
+              <a:rPr lang="en-US" b="1" dirty="0" err="1"/>
               <a:t>relu</a:t>
             </a:r>
-            <a:endParaRPr lang="en-US" b="1" dirty="0" smtClean="0"/>
+            <a:endParaRPr lang="en-US" b="1" dirty="0"/>
           </a:p>
           <a:p>
             <a:r>
-              <a:rPr lang="en-US" b="1" dirty="0" err="1" smtClean="0"/>
+              <a:rPr lang="en-US" b="1" dirty="0" err="1"/>
               <a:t>tanh</a:t>
             </a:r>
-            <a:endParaRPr lang="en-US" b="1" dirty="0" smtClean="0"/>
+            <a:endParaRPr lang="en-US" b="1" dirty="0"/>
           </a:p>
           <a:p>
             <a:r>
-              <a:rPr lang="en-US" b="1" dirty="0" err="1" smtClean="0"/>
+              <a:rPr lang="en-US" b="1" dirty="0" err="1"/>
               <a:t>selu</a:t>
             </a:r>
-            <a:endParaRPr lang="en-US" b="1" dirty="0" smtClean="0"/>
+            <a:endParaRPr lang="en-US" b="1" dirty="0"/>
           </a:p>
           <a:p>
             <a:r>
-              <a:rPr lang="en-US" b="1" dirty="0" err="1" smtClean="0"/>
+              <a:rPr lang="en-US" b="1" dirty="0" err="1"/>
               <a:t>elu</a:t>
             </a:r>
-            <a:endParaRPr lang="en-US" b="1" dirty="0" smtClean="0"/>
+            <a:endParaRPr lang="en-US" b="1" dirty="0"/>
           </a:p>
           <a:p>
             <a:r>
-              <a:rPr lang="en-US" b="1" dirty="0" smtClean="0"/>
+              <a:rPr lang="en-US" b="1" dirty="0"/>
               <a:t>sigmoid</a:t>
             </a:r>
           </a:p>
           <a:p>
             <a:r>
-              <a:rPr lang="en-US" b="1" dirty="0" err="1" smtClean="0"/>
+              <a:rPr lang="en-US" b="1" dirty="0" err="1"/>
               <a:t>hard_sigmoid</a:t>
             </a:r>
-            <a:endParaRPr lang="en-US" b="1" dirty="0" smtClean="0"/>
+            <a:endParaRPr lang="en-US" b="1" dirty="0"/>
           </a:p>
           <a:p>
             <a:r>
-              <a:rPr lang="en-US" b="1" dirty="0" smtClean="0"/>
+              <a:rPr lang="en-US" b="1" dirty="0"/>
               <a:t>exponential</a:t>
             </a:r>
           </a:p>
           <a:p>
             <a:r>
-              <a:rPr lang="en-US" b="1" dirty="0" smtClean="0"/>
+              <a:rPr lang="en-US" b="1" dirty="0"/>
               <a:t>linear</a:t>
             </a:r>
           </a:p>
@@ -16449,11 +16359,11 @@
           <a:lstStyle/>
           <a:p>
             <a:r>
-              <a:rPr lang="zh-TW" altLang="en-US" dirty="0" smtClean="0"/>
+              <a:rPr lang="zh-TW" altLang="en-US" dirty="0"/>
               <a:t>使用</a:t>
             </a:r>
             <a:r>
-              <a:rPr lang="en-US" altLang="zh-TW" dirty="0" smtClean="0"/>
+              <a:rPr lang="en-US" altLang="zh-TW" dirty="0"/>
               <a:t>sigmoid</a:t>
             </a:r>
             <a:endParaRPr lang="zh-TW" altLang="en-US" dirty="0"/>
@@ -16649,28 +16559,27 @@
           <a:lstStyle/>
           <a:p>
             <a:r>
-              <a:rPr lang="zh-TW" altLang="en-US" dirty="0" smtClean="0"/>
+              <a:rPr lang="zh-TW" altLang="en-US" dirty="0"/>
               <a:t>再試試看 </a:t>
             </a:r>
             <a:r>
-              <a:rPr lang="en-US" altLang="zh-TW" dirty="0" smtClean="0"/>
+              <a:rPr lang="en-US" altLang="zh-TW" dirty="0"/>
               <a:t>linear</a:t>
             </a:r>
           </a:p>
           <a:p>
             <a:r>
-              <a:rPr lang="zh-TW" altLang="en-US" dirty="0" smtClean="0"/>
+              <a:rPr lang="zh-TW" altLang="en-US" dirty="0"/>
               <a:t>再跟之前的</a:t>
             </a:r>
             <a:r>
-              <a:rPr lang="en-US" altLang="zh-TW" dirty="0" smtClean="0"/>
+              <a:rPr lang="en-US" altLang="zh-TW" dirty="0"/>
               <a:t>SVM</a:t>
             </a:r>
             <a:r>
-              <a:rPr lang="zh-TW" altLang="en-US" dirty="0" smtClean="0"/>
+              <a:rPr lang="zh-TW" altLang="en-US" dirty="0"/>
               <a:t>比較看看</a:t>
             </a:r>
-            <a:endParaRPr lang="zh-TW" altLang="en-US" dirty="0"/>
           </a:p>
         </p:txBody>
       </p:sp>
@@ -16748,10 +16657,9 @@
           <a:lstStyle/>
           <a:p>
             <a:r>
-              <a:rPr lang="zh-TW" altLang="en-US" dirty="0" smtClean="0"/>
+              <a:rPr lang="zh-TW" altLang="en-US" dirty="0"/>
               <a:t>人腦的突觸</a:t>
             </a:r>
-            <a:endParaRPr lang="zh-TW" altLang="en-US" dirty="0"/>
           </a:p>
         </p:txBody>
       </p:sp>
@@ -16771,18 +16679,17 @@
           <a:lstStyle/>
           <a:p>
             <a:r>
-              <a:rPr lang="zh-TW" altLang="en-US" dirty="0" smtClean="0"/>
+              <a:rPr lang="zh-TW" altLang="en-US" dirty="0"/>
               <a:t>講</a:t>
             </a:r>
             <a:r>
-              <a:rPr lang="en-US" altLang="zh-TW" dirty="0" smtClean="0"/>
+              <a:rPr lang="en-US" altLang="zh-TW" dirty="0"/>
               <a:t>ANN</a:t>
             </a:r>
             <a:r>
-              <a:rPr lang="zh-TW" altLang="en-US" dirty="0" smtClean="0"/>
+              <a:rPr lang="zh-TW" altLang="en-US" dirty="0"/>
               <a:t>時常見的圖，</a:t>
             </a:r>
-            <a:endParaRPr lang="zh-TW" altLang="en-US" dirty="0"/>
           </a:p>
         </p:txBody>
       </p:sp>
@@ -16824,13 +16731,6 @@
   <p:clrMapOvr>
     <a:masterClrMapping/>
   </p:clrMapOvr>
-  <p:timing>
-    <p:tnLst>
-      <p:par>
-        <p:cTn id="1" dur="indefinite" restart="never" nodeType="tmRoot"/>
-      </p:par>
-    </p:tnLst>
-  </p:timing>
 </p:sld>
 </file>
 
@@ -16867,10 +16767,9 @@
           <a:lstStyle/>
           <a:p>
             <a:r>
-              <a:rPr lang="zh-TW" altLang="en-US" dirty="0" smtClean="0"/>
+              <a:rPr lang="zh-TW" altLang="en-US" dirty="0"/>
               <a:t>訓練的參數</a:t>
             </a:r>
-            <a:endParaRPr lang="zh-TW" altLang="en-US" dirty="0"/>
           </a:p>
         </p:txBody>
       </p:sp>
@@ -16890,16 +16789,16 @@
           <a:lstStyle/>
           <a:p>
             <a:r>
-              <a:rPr lang="en-US" altLang="zh-TW" dirty="0" smtClean="0"/>
+              <a:rPr lang="en-US" altLang="zh-TW" dirty="0"/>
               <a:t>epochs</a:t>
             </a:r>
           </a:p>
           <a:p>
             <a:r>
-              <a:rPr lang="en-US" altLang="zh-TW" dirty="0" err="1" smtClean="0"/>
+              <a:rPr lang="en-US" altLang="zh-TW" dirty="0" err="1"/>
               <a:t>Batch_size</a:t>
             </a:r>
-            <a:endParaRPr lang="en-US" altLang="zh-TW" dirty="0" smtClean="0"/>
+            <a:endParaRPr lang="en-US" altLang="zh-TW" dirty="0"/>
           </a:p>
           <a:p>
             <a:endParaRPr lang="zh-TW" altLang="en-US" dirty="0"/>
@@ -16980,7 +16879,7 @@
           <a:lstStyle/>
           <a:p>
             <a:r>
-              <a:rPr lang="en-US" altLang="zh-TW" dirty="0" smtClean="0"/>
+              <a:rPr lang="en-US" altLang="zh-TW" dirty="0"/>
               <a:t>ANN</a:t>
             </a:r>
             <a:endParaRPr lang="zh-TW" altLang="en-US" dirty="0"/>
@@ -17003,10 +16902,9 @@
           <a:lstStyle/>
           <a:p>
             <a:r>
-              <a:rPr lang="zh-TW" altLang="en-US" dirty="0" smtClean="0"/>
+              <a:rPr lang="zh-TW" altLang="en-US" dirty="0"/>
               <a:t>電腦科學家就是由這樣的概念啟發，發展出人工神經網路的架構</a:t>
             </a:r>
-            <a:endParaRPr lang="zh-TW" altLang="en-US" dirty="0"/>
           </a:p>
         </p:txBody>
       </p:sp>
@@ -17032,7 +16930,7 @@
           <a:lstStyle/>
           <a:p>
             <a:r>
-              <a:rPr lang="en-US" altLang="zh-TW" dirty="0" smtClean="0"/>
+              <a:rPr lang="en-US" altLang="zh-TW" dirty="0"/>
               <a:t>https://ithelp.ithome.com.tw/articles/10237540</a:t>
             </a:r>
             <a:endParaRPr lang="zh-TW" altLang="en-US" dirty="0"/>
@@ -17077,13 +16975,6 @@
   <p:clrMapOvr>
     <a:masterClrMapping/>
   </p:clrMapOvr>
-  <p:timing>
-    <p:tnLst>
-      <p:par>
-        <p:cTn id="1" dur="indefinite" restart="never" nodeType="tmRoot"/>
-      </p:par>
-    </p:tnLst>
-  </p:timing>
 </p:sld>
 </file>
 
@@ -17120,7 +17011,7 @@
           <a:lstStyle/>
           <a:p>
             <a:r>
-              <a:rPr lang="en-US" altLang="zh-TW" dirty="0" smtClean="0"/>
+              <a:rPr lang="en-US" altLang="zh-TW" dirty="0"/>
               <a:t>ANN</a:t>
             </a:r>
             <a:endParaRPr lang="zh-TW" altLang="en-US" dirty="0"/>
@@ -17143,58 +17034,57 @@
           <a:lstStyle/>
           <a:p>
             <a:r>
-              <a:rPr lang="en-US" altLang="zh-TW" dirty="0" smtClean="0"/>
+              <a:rPr lang="en-US" altLang="zh-TW" dirty="0"/>
               <a:t>Input:</a:t>
             </a:r>
             <a:r>
-              <a:rPr lang="zh-TW" altLang="en-US" dirty="0" smtClean="0"/>
+              <a:rPr lang="zh-TW" altLang="en-US" dirty="0"/>
               <a:t> 對應突觸收進來的訊號，也就是我們的輸入資訊</a:t>
             </a:r>
-            <a:endParaRPr lang="en-US" altLang="zh-TW" dirty="0" smtClean="0"/>
+            <a:endParaRPr lang="en-US" altLang="zh-TW" dirty="0"/>
           </a:p>
           <a:p>
             <a:r>
-              <a:rPr lang="en-US" altLang="zh-TW" dirty="0" smtClean="0"/>
+              <a:rPr lang="en-US" altLang="zh-TW" dirty="0"/>
               <a:t>Weight:</a:t>
             </a:r>
             <a:r>
-              <a:rPr lang="zh-TW" altLang="en-US" dirty="0" smtClean="0"/>
+              <a:rPr lang="zh-TW" altLang="en-US" dirty="0"/>
               <a:t> 權重，決定哪一個訊號比較重要</a:t>
             </a:r>
-            <a:endParaRPr lang="en-US" altLang="zh-TW" dirty="0" smtClean="0"/>
+            <a:endParaRPr lang="en-US" altLang="zh-TW" dirty="0"/>
           </a:p>
           <a:p>
             <a:r>
-              <a:rPr lang="en-US" altLang="zh-TW" dirty="0" smtClean="0"/>
+              <a:rPr lang="en-US" altLang="zh-TW" dirty="0"/>
               <a:t>Summation and Bias: </a:t>
             </a:r>
             <a:r>
-              <a:rPr lang="zh-TW" altLang="en-US" dirty="0" smtClean="0"/>
+              <a:rPr lang="zh-TW" altLang="en-US" dirty="0"/>
               <a:t>整合訊息</a:t>
             </a:r>
-            <a:endParaRPr lang="en-US" altLang="zh-TW" dirty="0" smtClean="0"/>
+            <a:endParaRPr lang="en-US" altLang="zh-TW" dirty="0"/>
           </a:p>
           <a:p>
             <a:r>
-              <a:rPr lang="en-US" altLang="zh-TW" dirty="0" smtClean="0"/>
+              <a:rPr lang="en-US" altLang="zh-TW" dirty="0"/>
               <a:t>Activation: </a:t>
             </a:r>
             <a:r>
-              <a:rPr lang="zh-TW" altLang="en-US" dirty="0" smtClean="0"/>
+              <a:rPr lang="zh-TW" altLang="en-US" dirty="0"/>
               <a:t>依照整合訊息的分數判斷結果，做輸出</a:t>
             </a:r>
-            <a:endParaRPr lang="en-US" altLang="zh-TW" dirty="0" smtClean="0"/>
+            <a:endParaRPr lang="en-US" altLang="zh-TW" dirty="0"/>
           </a:p>
           <a:p>
             <a:r>
-              <a:rPr lang="en-US" altLang="zh-TW" dirty="0" smtClean="0"/>
+              <a:rPr lang="en-US" altLang="zh-TW" dirty="0"/>
               <a:t>Output: </a:t>
             </a:r>
             <a:r>
-              <a:rPr lang="zh-TW" altLang="en-US" dirty="0" smtClean="0"/>
+              <a:rPr lang="zh-TW" altLang="en-US" dirty="0"/>
               <a:t>輸出訊號，給下一個神經元</a:t>
             </a:r>
-            <a:endParaRPr lang="zh-TW" altLang="en-US" dirty="0"/>
           </a:p>
         </p:txBody>
       </p:sp>
@@ -17220,7 +17110,7 @@
           <a:lstStyle/>
           <a:p>
             <a:r>
-              <a:rPr lang="en-US" altLang="zh-TW" dirty="0" smtClean="0"/>
+              <a:rPr lang="en-US" altLang="zh-TW" dirty="0"/>
               <a:t>https://ithelp.ithome.com.tw/articles/10237540</a:t>
             </a:r>
             <a:endParaRPr lang="zh-TW" altLang="en-US" dirty="0"/>
@@ -17265,13 +17155,6 @@
   <p:clrMapOvr>
     <a:masterClrMapping/>
   </p:clrMapOvr>
-  <p:timing>
-    <p:tnLst>
-      <p:par>
-        <p:cTn id="1" dur="indefinite" restart="never" nodeType="tmRoot"/>
-      </p:par>
-    </p:tnLst>
-  </p:timing>
 </p:sld>
 </file>
 
@@ -17307,7 +17190,10 @@
           <a:bodyPr/>
           <a:lstStyle/>
           <a:p>
-            <a:endParaRPr lang="zh-TW" altLang="en-US"/>
+            <a:r>
+              <a:rPr lang="zh-TW" altLang="en-US" dirty="0"/>
+              <a:t>轉換函式</a:t>
+            </a:r>
           </a:p>
         </p:txBody>
       </p:sp>
@@ -17368,13 +17254,6 @@
   <p:clrMapOvr>
     <a:masterClrMapping/>
   </p:clrMapOvr>
-  <p:timing>
-    <p:tnLst>
-      <p:par>
-        <p:cTn id="1" dur="indefinite" restart="never" nodeType="tmRoot"/>
-      </p:par>
-    </p:tnLst>
-  </p:timing>
 </p:sld>
 </file>
 
@@ -17411,10 +17290,9 @@
           <a:lstStyle/>
           <a:p>
             <a:r>
-              <a:rPr lang="zh-TW" altLang="en-US" dirty="0" smtClean="0"/>
+              <a:rPr lang="zh-TW" altLang="en-US" dirty="0"/>
               <a:t>轉換函式</a:t>
             </a:r>
-            <a:endParaRPr lang="zh-TW" altLang="en-US" dirty="0"/>
           </a:p>
         </p:txBody>
       </p:sp>
@@ -17475,13 +17353,6 @@
   <p:clrMapOvr>
     <a:masterClrMapping/>
   </p:clrMapOvr>
-  <p:timing>
-    <p:tnLst>
-      <p:par>
-        <p:cTn id="1" dur="indefinite" restart="never" nodeType="tmRoot"/>
-      </p:par>
-    </p:tnLst>
-  </p:timing>
 </p:sld>
 </file>
 
@@ -17518,10 +17389,9 @@
           <a:lstStyle/>
           <a:p>
             <a:r>
-              <a:rPr lang="zh-TW" altLang="en-US" dirty="0" smtClean="0"/>
+              <a:rPr lang="zh-TW" altLang="en-US" dirty="0"/>
               <a:t>單一層</a:t>
             </a:r>
-            <a:endParaRPr lang="zh-TW" altLang="en-US" dirty="0"/>
           </a:p>
         </p:txBody>
       </p:sp>
@@ -17553,7 +17423,7 @@
           <p:nvPr/>
         </p:nvPicPr>
         <p:blipFill>
-          <a:blip r:embed="rId3"/>
+          <a:blip r:embed="rId2"/>
           <a:srcRect/>
           <a:stretch>
             <a:fillRect/>
@@ -17577,18 +17447,54 @@
           <a:effectLst/>
         </p:spPr>
       </p:pic>
+      <mc:AlternateContent xmlns:mc="http://schemas.openxmlformats.org/markup-compatibility/2006" xmlns:p14="http://schemas.microsoft.com/office/powerpoint/2010/main">
+        <mc:Choice Requires="p14">
+          <p:contentPart p14:bwMode="auto" r:id="rId3">
+            <p14:nvContentPartPr>
+              <p14:cNvPr id="4098" name="Ink 2"/>
+              <p14:cNvContentPartPr>
+                <a14:cpLocks xmlns:a14="http://schemas.microsoft.com/office/drawing/2010/main" noRot="1" noChangeAspect="1" noEditPoints="1" noChangeArrowheads="1" noChangeShapeType="1"/>
+              </p14:cNvContentPartPr>
+              <p14:nvPr/>
+            </p14:nvContentPartPr>
+            <p14:xfrm>
+              <a:off x="50680938" y="45948600"/>
+              <a:ext cx="0" cy="0"/>
+            </p14:xfrm>
+          </p:contentPart>
+        </mc:Choice>
+        <mc:Fallback xmlns="">
+          <p:pic>
+            <p:nvPicPr>
+              <p:cNvPr id="4098" name="Ink 2"/>
+              <p:cNvPicPr>
+                <a:picLocks noRot="1" noChangeAspect="1" noEditPoints="1" noChangeArrowheads="1" noChangeShapeType="1"/>
+              </p:cNvPicPr>
+              <p:nvPr/>
+            </p:nvPicPr>
+            <p:blipFill>
+              <a:blip r:embed="rId4"/>
+              <a:stretch>
+                <a:fillRect/>
+              </a:stretch>
+            </p:blipFill>
+            <p:spPr>
+              <a:xfrm>
+                <a:off x="50680938" y="45948600"/>
+                <a:ext cx="0" cy="0"/>
+              </a:xfrm>
+              <a:prstGeom prst="rect">
+                <a:avLst/>
+              </a:prstGeom>
+            </p:spPr>
+          </p:pic>
+        </mc:Fallback>
+      </mc:AlternateContent>
     </p:spTree>
   </p:cSld>
   <p:clrMapOvr>
     <a:masterClrMapping/>
   </p:clrMapOvr>
-  <p:timing>
-    <p:tnLst>
-      <p:par>
-        <p:cTn id="1" dur="indefinite" restart="never" nodeType="tmRoot"/>
-      </p:par>
-    </p:tnLst>
-  </p:timing>
 </p:sld>
 </file>
 
